--- a/docs/Programmierprojekt.pptx
+++ b/docs/Programmierprojekt.pptx
@@ -130,7 +130,7 @@
 <file path=ppt/revisionInfo.xml><?xml version="1.0" encoding="utf-8"?>
 <p1510:revInfo xmlns:a="http://schemas.openxmlformats.org/drawingml/2006/main" xmlns:r="http://schemas.openxmlformats.org/officeDocument/2006/relationships" xmlns:p1510="http://schemas.microsoft.com/office/powerpoint/2015/10/main">
   <p1510:revLst>
-    <p1510:client id="{7F073B2D-9A0B-DC41-8976-E4145657939B}" v="604" dt="2025-03-05T12:39:09.422"/>
+    <p1510:client id="{7F073B2D-9A0B-DC41-8976-E4145657939B}" v="605" dt="2025-03-05T14:29:06.792"/>
   </p1510:revLst>
 </p1510:revInfo>
 </file>
